--- a/Project3-MachineLearning/AmitAndrewPeng/Odder_Squatters_Slides (1).pptx
+++ b/Project3-MachineLearning/AmitAndrewPeng/Odder_Squatters_Slides (1).pptx
@@ -3052,8 +3052,8 @@
         </p:nvSpPr>
         <p:spPr>
           <a:xfrm>
-            <a:off x="5239011" y="2140838"/>
-            <a:ext cx="3957240" cy="2585323"/>
+            <a:off x="5618400" y="2650289"/>
+            <a:ext cx="3957240" cy="1754326"/>
           </a:xfrm>
           <a:prstGeom prst="rect">
             <a:avLst/>
@@ -3066,134 +3066,62 @@
           </a:bodyPr>
           <a:lstStyle/>
           <a:p>
-            <a:r>
-              <a:rPr lang="en-US" dirty="0" err="1" smtClean="0"/>
-              <a:t>param</a:t>
-            </a:r>
-            <a:r>
-              <a:rPr lang="en-US" dirty="0"/>
-              <a:t>['objective'] = '</a:t>
-            </a:r>
-            <a:r>
-              <a:rPr lang="en-US" dirty="0" err="1"/>
-              <a:t>multi:softprob</a:t>
-            </a:r>
-            <a:r>
-              <a:rPr lang="en-US" dirty="0"/>
-              <a:t>'    </a:t>
-            </a:r>
-            <a:r>
-              <a:rPr lang="en-US" dirty="0" err="1"/>
-              <a:t>param</a:t>
-            </a:r>
-            <a:r>
-              <a:rPr lang="en-US" dirty="0"/>
-              <a:t>['eta'] = 0.1    </a:t>
-            </a:r>
-            <a:r>
-              <a:rPr lang="en-US" dirty="0" err="1"/>
-              <a:t>param</a:t>
-            </a:r>
-            <a:r>
-              <a:rPr lang="en-US" dirty="0"/>
-              <a:t>['</a:t>
-            </a:r>
-            <a:r>
-              <a:rPr lang="en-US" dirty="0" err="1"/>
-              <a:t>max_depth</a:t>
-            </a:r>
-            <a:r>
-              <a:rPr lang="en-US" dirty="0"/>
-              <a:t>'] = 6    </a:t>
-            </a:r>
-            <a:r>
-              <a:rPr lang="en-US" dirty="0" err="1"/>
-              <a:t>param</a:t>
-            </a:r>
-            <a:r>
-              <a:rPr lang="en-US" dirty="0"/>
-              <a:t>['silent'] = 1    </a:t>
-            </a:r>
-            <a:r>
-              <a:rPr lang="en-US" dirty="0" err="1"/>
-              <a:t>param</a:t>
-            </a:r>
-            <a:r>
-              <a:rPr lang="en-US" dirty="0"/>
-              <a:t>['</a:t>
-            </a:r>
-            <a:r>
-              <a:rPr lang="en-US" dirty="0" err="1"/>
-              <a:t>num_class</a:t>
-            </a:r>
-            <a:r>
-              <a:rPr lang="en-US" dirty="0"/>
-              <a:t>'] = 3    </a:t>
-            </a:r>
-            <a:r>
-              <a:rPr lang="en-US" dirty="0" err="1"/>
-              <a:t>param</a:t>
-            </a:r>
-            <a:r>
-              <a:rPr lang="en-US" dirty="0"/>
-              <a:t>['</a:t>
-            </a:r>
-            <a:r>
-              <a:rPr lang="en-US" dirty="0" err="1"/>
-              <a:t>eval_metric</a:t>
-            </a:r>
-            <a:r>
-              <a:rPr lang="en-US" dirty="0"/>
-              <a:t>'] = "</a:t>
-            </a:r>
-            <a:r>
-              <a:rPr lang="en-US" dirty="0" err="1"/>
-              <a:t>mlogloss</a:t>
-            </a:r>
-            <a:r>
-              <a:rPr lang="en-US" dirty="0"/>
-              <a:t>"    </a:t>
-            </a:r>
-            <a:r>
-              <a:rPr lang="en-US" dirty="0" err="1"/>
-              <a:t>param</a:t>
-            </a:r>
-            <a:r>
-              <a:rPr lang="en-US" dirty="0"/>
-              <a:t>['</a:t>
-            </a:r>
-            <a:r>
-              <a:rPr lang="en-US" dirty="0" err="1"/>
-              <a:t>min_child_weight</a:t>
-            </a:r>
-            <a:r>
-              <a:rPr lang="en-US" dirty="0"/>
-              <a:t>'] = 1    </a:t>
-            </a:r>
-            <a:r>
-              <a:rPr lang="en-US" dirty="0" err="1"/>
-              <a:t>param</a:t>
-            </a:r>
-            <a:r>
-              <a:rPr lang="en-US" dirty="0"/>
-              <a:t>['subsample'] = 0.7    </a:t>
-            </a:r>
-            <a:r>
-              <a:rPr lang="en-US" dirty="0" err="1"/>
-              <a:t>param</a:t>
-            </a:r>
-            <a:r>
-              <a:rPr lang="en-US" dirty="0"/>
-              <a:t>['</a:t>
-            </a:r>
-            <a:r>
-              <a:rPr lang="en-US" dirty="0" err="1"/>
-              <a:t>colsample_bytree</a:t>
-            </a:r>
-            <a:r>
-              <a:rPr lang="en-US" dirty="0"/>
-              <a:t>'] = 0.7</a:t>
-            </a:r>
+            <a:pPr marL="285750" indent="-285750">
+              <a:buFont typeface="Arial" charset="0"/>
+              <a:buChar char="•"/>
+            </a:pPr>
+            <a:r>
+              <a:rPr lang="en-US" dirty="0" smtClean="0"/>
+              <a:t>GEO CODING</a:t>
+            </a:r>
+          </a:p>
+          <a:p>
+            <a:pPr marL="285750" indent="-285750">
+              <a:buFont typeface="Arial" charset="0"/>
+              <a:buChar char="•"/>
+            </a:pPr>
+            <a:r>
+              <a:rPr lang="en-US" dirty="0" smtClean="0"/>
+              <a:t>TFIDF</a:t>
+            </a:r>
+          </a:p>
+          <a:p>
+            <a:pPr marL="285750" indent="-285750">
+              <a:buFont typeface="Arial" charset="0"/>
+              <a:buChar char="•"/>
+            </a:pPr>
+            <a:r>
+              <a:rPr lang="en-US" dirty="0" smtClean="0"/>
+              <a:t>KFOLD</a:t>
+            </a:r>
+          </a:p>
+          <a:p>
+            <a:pPr marL="285750" indent="-285750">
+              <a:buFont typeface="Arial" charset="0"/>
+              <a:buChar char="•"/>
+            </a:pPr>
+            <a:r>
+              <a:rPr lang="en-US" dirty="0" smtClean="0"/>
+              <a:t>BINARY LEBEL CONVERSION</a:t>
+            </a:r>
+          </a:p>
+          <a:p>
+            <a:pPr marL="285750" indent="-285750">
+              <a:buFont typeface="Arial" charset="0"/>
+              <a:buChar char="•"/>
+            </a:pPr>
+            <a:r>
+              <a:rPr lang="hr-HR" dirty="0"/>
+              <a:t>FINAL SCORE : </a:t>
+            </a:r>
+            <a:r>
+              <a:rPr lang="hr-HR" dirty="0" smtClean="0"/>
+              <a:t>0.548095</a:t>
+            </a:r>
+            <a:endParaRPr lang="en-US" dirty="0" smtClean="0"/>
+          </a:p>
+          <a:p>
+            <a:endParaRPr lang="en-US" dirty="0"/>
           </a:p>
         </p:txBody>
       </p:sp>
